--- a/03. Computer Networks/PPTs/3.4. Mobile Hosts.pptx
+++ b/03. Computer Networks/PPTs/3.4. Mobile Hosts.pptx
@@ -307,7 +307,7 @@
           <a:p>
             <a:fld id="{B4E91672-CD60-4203-B71F-26F0DB58B939}" type="datetimeFigureOut">
               <a:rPr lang="en-US" smtClean="0"/>
-              <a:t>4/19/2020</a:t>
+              <a:t>4/24/2020</a:t>
             </a:fld>
             <a:endParaRPr lang="en-US"/>
           </a:p>
@@ -475,7 +475,7 @@
           <a:p>
             <a:fld id="{B4E91672-CD60-4203-B71F-26F0DB58B939}" type="datetimeFigureOut">
               <a:rPr lang="en-US" smtClean="0"/>
-              <a:t>4/19/2020</a:t>
+              <a:t>4/24/2020</a:t>
             </a:fld>
             <a:endParaRPr lang="en-US"/>
           </a:p>
@@ -653,7 +653,7 @@
           <a:p>
             <a:fld id="{B4E91672-CD60-4203-B71F-26F0DB58B939}" type="datetimeFigureOut">
               <a:rPr lang="en-US" smtClean="0"/>
-              <a:t>4/19/2020</a:t>
+              <a:t>4/24/2020</a:t>
             </a:fld>
             <a:endParaRPr lang="en-US"/>
           </a:p>
@@ -821,7 +821,7 @@
           <a:p>
             <a:fld id="{B4E91672-CD60-4203-B71F-26F0DB58B939}" type="datetimeFigureOut">
               <a:rPr lang="en-US" smtClean="0"/>
-              <a:t>4/19/2020</a:t>
+              <a:t>4/24/2020</a:t>
             </a:fld>
             <a:endParaRPr lang="en-US"/>
           </a:p>
@@ -1066,7 +1066,7 @@
           <a:p>
             <a:fld id="{B4E91672-CD60-4203-B71F-26F0DB58B939}" type="datetimeFigureOut">
               <a:rPr lang="en-US" smtClean="0"/>
-              <a:t>4/19/2020</a:t>
+              <a:t>4/24/2020</a:t>
             </a:fld>
             <a:endParaRPr lang="en-US"/>
           </a:p>
@@ -1351,7 +1351,7 @@
           <a:p>
             <a:fld id="{B4E91672-CD60-4203-B71F-26F0DB58B939}" type="datetimeFigureOut">
               <a:rPr lang="en-US" smtClean="0"/>
-              <a:t>4/19/2020</a:t>
+              <a:t>4/24/2020</a:t>
             </a:fld>
             <a:endParaRPr lang="en-US"/>
           </a:p>
@@ -1770,7 +1770,7 @@
           <a:p>
             <a:fld id="{B4E91672-CD60-4203-B71F-26F0DB58B939}" type="datetimeFigureOut">
               <a:rPr lang="en-US" smtClean="0"/>
-              <a:t>4/19/2020</a:t>
+              <a:t>4/24/2020</a:t>
             </a:fld>
             <a:endParaRPr lang="en-US"/>
           </a:p>
@@ -1887,7 +1887,7 @@
           <a:p>
             <a:fld id="{B4E91672-CD60-4203-B71F-26F0DB58B939}" type="datetimeFigureOut">
               <a:rPr lang="en-US" smtClean="0"/>
-              <a:t>4/19/2020</a:t>
+              <a:t>4/24/2020</a:t>
             </a:fld>
             <a:endParaRPr lang="en-US"/>
           </a:p>
@@ -1982,7 +1982,7 @@
           <a:p>
             <a:fld id="{B4E91672-CD60-4203-B71F-26F0DB58B939}" type="datetimeFigureOut">
               <a:rPr lang="en-US" smtClean="0"/>
-              <a:t>4/19/2020</a:t>
+              <a:t>4/24/2020</a:t>
             </a:fld>
             <a:endParaRPr lang="en-US"/>
           </a:p>
@@ -2257,7 +2257,7 @@
           <a:p>
             <a:fld id="{B4E91672-CD60-4203-B71F-26F0DB58B939}" type="datetimeFigureOut">
               <a:rPr lang="en-US" smtClean="0"/>
-              <a:t>4/19/2020</a:t>
+              <a:t>4/24/2020</a:t>
             </a:fld>
             <a:endParaRPr lang="en-US"/>
           </a:p>
@@ -2509,7 +2509,7 @@
           <a:p>
             <a:fld id="{B4E91672-CD60-4203-B71F-26F0DB58B939}" type="datetimeFigureOut">
               <a:rPr lang="en-US" smtClean="0"/>
-              <a:t>4/19/2020</a:t>
+              <a:t>4/24/2020</a:t>
             </a:fld>
             <a:endParaRPr lang="en-US"/>
           </a:p>
@@ -2720,7 +2720,7 @@
           <a:p>
             <a:fld id="{B4E91672-CD60-4203-B71F-26F0DB58B939}" type="datetimeFigureOut">
               <a:rPr lang="en-US" smtClean="0"/>
-              <a:t>4/19/2020</a:t>
+              <a:t>4/24/2020</a:t>
             </a:fld>
             <a:endParaRPr lang="en-US"/>
           </a:p>
@@ -3159,13 +3159,13 @@
         </p:nvSpPr>
         <p:spPr>
           <a:xfrm>
-            <a:off x="0" y="228600"/>
-            <a:ext cx="8915400" cy="6629400"/>
+            <a:off x="0" y="152400"/>
+            <a:ext cx="8991600" cy="6705600"/>
           </a:xfrm>
         </p:spPr>
         <p:txBody>
           <a:bodyPr>
-            <a:normAutofit/>
+            <a:normAutofit fontScale="92500" lnSpcReduction="10000"/>
           </a:bodyPr>
           <a:lstStyle/>
           <a:p>
@@ -3177,29 +3177,71 @@
           <a:p>
             <a:r>
               <a:rPr lang="en-US" dirty="0"/>
+              <a:t>Hosts that never move are said to be </a:t>
+            </a:r>
+            <a:r>
+              <a:rPr lang="en-US" b="1" dirty="0"/>
+              <a:t>stationary</a:t>
+            </a:r>
+            <a:r>
+              <a:rPr lang="en-US" dirty="0"/>
+              <a:t>. </a:t>
+            </a:r>
+          </a:p>
+          <a:p>
+            <a:r>
+              <a:rPr lang="en-US" dirty="0"/>
               <a:t>In case of mobile host we have 2 hosts:</a:t>
             </a:r>
           </a:p>
           <a:p>
             <a:pPr lvl="1"/>
             <a:r>
+              <a:rPr lang="en-US" sz="2500" b="1" dirty="0"/>
+              <a:t>Migratory hosts</a:t>
+            </a:r>
+            <a:r>
+              <a:rPr lang="en-US" sz="2500" dirty="0"/>
+              <a:t> are basically stationary hosts who move from one fixed site to another from time to time but use the network only when they are physically connected to it.</a:t>
+            </a:r>
+          </a:p>
+          <a:p>
+            <a:pPr lvl="1"/>
+            <a:r>
+              <a:rPr lang="en-US" sz="2500" b="1" dirty="0"/>
+              <a:t>Roaming hosts </a:t>
+            </a:r>
+            <a:r>
+              <a:rPr lang="en-US" sz="2500" dirty="0"/>
+              <a:t>actually compute on the run and want to maintain their connections as they move around. </a:t>
+            </a:r>
+          </a:p>
+          <a:p>
+            <a:r>
+              <a:rPr lang="en-US" dirty="0"/>
+              <a:t>All hosts are assumed to have a permanent </a:t>
+            </a:r>
+            <a:r>
               <a:rPr lang="en-US" b="1" dirty="0"/>
-              <a:t>Migratory hosts</a:t>
+              <a:t>home location </a:t>
             </a:r>
             <a:r>
               <a:rPr lang="en-US" dirty="0"/>
-              <a:t> are basically stationary hosts who move from one fixed site to another from time to time but use the network only when they are physically connected to it.</a:t>
-            </a:r>
-          </a:p>
-          <a:p>
-            <a:pPr lvl="1"/>
+              <a:t>that never changes. </a:t>
+            </a:r>
+          </a:p>
+          <a:p>
+            <a:r>
+              <a:rPr lang="en-US" dirty="0"/>
+              <a:t>Hosts also have a permanent </a:t>
+            </a:r>
             <a:r>
               <a:rPr lang="en-US" b="1" dirty="0"/>
-              <a:t>Roaming hosts </a:t>
+              <a:t>home address </a:t>
             </a:r>
             <a:r>
               <a:rPr lang="en-US" dirty="0"/>
-              <a:t>actually compute on the run and want to maintain their connections as they move around. </a:t>
+              <a:t>that can be used to determine their home locations. </a:t>
             </a:r>
           </a:p>
           <a:p>
@@ -3215,20 +3257,36 @@
           <a:p>
             <a:pPr lvl="1"/>
             <a:r>
-              <a:rPr lang="en-US" dirty="0"/>
-              <a:t>Each area has one or more foreign agents, which are processes that keep track of all mobile hosts visiting the area.</a:t>
+              <a:rPr lang="en-US" sz="2500" dirty="0"/>
+              <a:t>Each area has one or more </a:t>
+            </a:r>
+            <a:r>
+              <a:rPr lang="en-US" sz="2500" i="1" dirty="0">
+                <a:latin typeface="Garamond" panose="02020404030301010803" pitchFamily="18" charset="0"/>
+              </a:rPr>
+              <a:t>foreign agents</a:t>
+            </a:r>
+            <a:r>
+              <a:rPr lang="en-US" sz="2500" dirty="0"/>
+              <a:t>, which are processes that keep track of all mobile hosts visiting the area.</a:t>
             </a:r>
           </a:p>
           <a:p>
             <a:pPr lvl="1"/>
             <a:r>
-              <a:rPr lang="en-US" dirty="0"/>
-              <a:t>In addition, each area has a home agent, which keeps track of hosts whose home is in the area, but who are currently visiting another area. </a:t>
-            </a:r>
-          </a:p>
-          <a:p>
-            <a:pPr lvl="1"/>
-            <a:endParaRPr lang="en-US" dirty="0"/>
+              <a:rPr lang="en-US" sz="2500" dirty="0"/>
+              <a:t>In addition, each area has a </a:t>
+            </a:r>
+            <a:r>
+              <a:rPr lang="en-US" sz="2500" i="1" dirty="0">
+                <a:latin typeface="Garamond" panose="02020404030301010803" pitchFamily="18" charset="0"/>
+              </a:rPr>
+              <a:t>home agent</a:t>
+            </a:r>
+            <a:r>
+              <a:rPr lang="en-US" sz="2500" dirty="0"/>
+              <a:t>, which keeps track of hosts whose home is in the area, but who are currently visiting another area. </a:t>
+            </a:r>
           </a:p>
         </p:txBody>
       </p:sp>
@@ -3308,7 +3366,7 @@
             </a:pPr>
             <a:r>
               <a:rPr lang="en-US" dirty="0"/>
-              <a:t> Periodically, each foreign agent broadcasts a packet announcing its existence and address. A newly-arrived mobile host may wait for one of these messages, but if none arrives quickly enough, the mobile host can broadcast a packet saying: Are there any foreign agents around?  </a:t>
+              <a:t>Periodically, each foreign agent broadcasts a packet announcing its existence and address. A newly-arrived mobile host may wait for one of these messages, but if none arrives quickly enough, the mobile host can broadcast a packet saying: Are there any foreign agents around?  </a:t>
             </a:r>
           </a:p>
           <a:p>
@@ -3318,7 +3376,15 @@
             </a:pPr>
             <a:r>
               <a:rPr lang="en-US" dirty="0"/>
-              <a:t>The mobile host registers with the foreign agent, giving its home address, current data link layer address, and some security information. </a:t>
+              <a:t>The mobile host </a:t>
+            </a:r>
+            <a:r>
+              <a:rPr lang="en-US" b="1" dirty="0"/>
+              <a:t>registers</a:t>
+            </a:r>
+            <a:r>
+              <a:rPr lang="en-US" dirty="0"/>
+              <a:t> with the foreign agent, giving its home address, current data link layer address, and some security information. </a:t>
             </a:r>
           </a:p>
         </p:txBody>
@@ -3381,7 +3447,23 @@
             </a:pPr>
             <a:r>
               <a:rPr lang="en-US" sz="2400" dirty="0"/>
-              <a:t>The foreign agent contacts the mobile host's home agent and says: One of your hosts is over here. The message from the foreign agent to the home agent contains the foreign agent's network address. It also includes the security information to convince the home agent that the mobile host is really there. </a:t>
+              <a:t>The foreign agent </a:t>
+            </a:r>
+            <a:r>
+              <a:rPr lang="en-US" sz="2400" b="1" dirty="0"/>
+              <a:t>contacts</a:t>
+            </a:r>
+            <a:r>
+              <a:rPr lang="en-US" sz="2400" dirty="0"/>
+              <a:t> the mobile host's home agent and says: </a:t>
+            </a:r>
+            <a:r>
+              <a:rPr lang="en-US" sz="2400" i="1" dirty="0"/>
+              <a:t>One of your hosts is over here</a:t>
+            </a:r>
+            <a:r>
+              <a:rPr lang="en-US" sz="2400" dirty="0"/>
+              <a:t>. The message from the foreign agent to the home agent contains the foreign agent's network address. It also includes the security information to convince the home agent that the mobile host is really there. </a:t>
             </a:r>
           </a:p>
           <a:p>
@@ -3391,7 +3473,19 @@
             </a:pPr>
             <a:r>
               <a:rPr lang="en-US" sz="2400" dirty="0"/>
-              <a:t>The home agent examines the security information, which contains a timestamp, to prove that it was generated within the past few seconds. If it is ok, it tells the foreign agent to proceed. </a:t>
+              <a:t>The home agent </a:t>
+            </a:r>
+            <a:r>
+              <a:rPr lang="en-US" sz="2400" dirty="0">
+                <a:solidFill>
+                  <a:srgbClr val="0070C0"/>
+                </a:solidFill>
+              </a:rPr>
+              <a:t>examines the security information</a:t>
+            </a:r>
+            <a:r>
+              <a:rPr lang="en-US" sz="2400" dirty="0"/>
+              <a:t>, which contains a timestamp, to prove that it was generated within the past few seconds. If it is ok, it tells the foreign agent to proceed. </a:t>
             </a:r>
           </a:p>
           <a:p>
@@ -3401,7 +3495,36 @@
             </a:pPr>
             <a:r>
               <a:rPr lang="en-US" sz="2400" dirty="0"/>
-              <a:t>When the foreign agent gets the acknowledgement from the home agent, it makes an entry in its tables and informs the mobile host that it is now registered. </a:t>
+              <a:t>When the foreign agent gets the </a:t>
+            </a:r>
+            <a:r>
+              <a:rPr lang="en-US" sz="2400" b="1" dirty="0"/>
+              <a:t>acknowledgement</a:t>
+            </a:r>
+            <a:r>
+              <a:rPr lang="en-US" sz="2400" dirty="0"/>
+              <a:t> from the home agent, it makes an entry in its tables and informs the mobile host that it is now registered. </a:t>
+            </a:r>
+          </a:p>
+          <a:p>
+            <a:pPr marL="457200" indent="-457200">
+              <a:buFont typeface="+mj-lt"/>
+              <a:buAutoNum type="arabicPeriod" startAt="3"/>
+            </a:pPr>
+            <a:endParaRPr lang="en-US" sz="2400" dirty="0"/>
+          </a:p>
+          <a:p>
+            <a:r>
+              <a:rPr lang="en-US" sz="2400" dirty="0"/>
+              <a:t>When a host leaves an area, that, too, should be announced to allow </a:t>
+            </a:r>
+            <a:r>
+              <a:rPr lang="en-US" sz="2400" u="sng" dirty="0"/>
+              <a:t>deregistration</a:t>
+            </a:r>
+            <a:r>
+              <a:rPr lang="en-US" sz="2400" dirty="0"/>
+              <a:t>, but many users abruptly turn off their computers when done. </a:t>
             </a:r>
           </a:p>
         </p:txBody>
@@ -3438,6 +3561,37 @@
       </p:grpSpPr>
       <p:sp>
         <p:nvSpPr>
+          <p:cNvPr id="2" name="Title 1">
+            <a:extLst>
+              <a:ext uri="{FF2B5EF4-FFF2-40B4-BE49-F238E27FC236}">
+                <a16:creationId xmlns:a16="http://schemas.microsoft.com/office/drawing/2014/main" id="{0B0E943C-80F1-418D-94C3-7ACBB3BB2FF2}"/>
+              </a:ext>
+            </a:extLst>
+          </p:cNvPr>
+          <p:cNvSpPr>
+            <a:spLocks noGrp="1"/>
+          </p:cNvSpPr>
+          <p:nvPr>
+            <p:ph type="title"/>
+          </p:nvPr>
+        </p:nvSpPr>
+        <p:spPr/>
+        <p:txBody>
+          <a:bodyPr>
+            <a:normAutofit fontScale="90000"/>
+          </a:bodyPr>
+          <a:lstStyle/>
+          <a:p>
+            <a:r>
+              <a:rPr lang="en-US" dirty="0"/>
+              <a:t>Packet routing for mobile hosts</a:t>
+            </a:r>
+            <a:endParaRPr lang="en-IN" dirty="0"/>
+          </a:p>
+        </p:txBody>
+      </p:sp>
+      <p:sp>
+        <p:nvSpPr>
           <p:cNvPr id="3" name="Content Placeholder 2"/>
           <p:cNvSpPr>
             <a:spLocks noGrp="1"/>
@@ -3448,38 +3602,19 @@
         </p:nvSpPr>
         <p:spPr>
           <a:xfrm>
-            <a:off x="0" y="0"/>
-            <a:ext cx="9144000" cy="6858000"/>
+            <a:off x="457200" y="1417638"/>
+            <a:ext cx="8229600" cy="5059362"/>
           </a:xfrm>
         </p:spPr>
         <p:txBody>
-          <a:bodyPr/>
+          <a:bodyPr>
+            <a:noAutofit/>
+          </a:bodyPr>
           <a:lstStyle/>
           <a:p>
             <a:r>
               <a:rPr lang="en-US" sz="2400" dirty="0"/>
-              <a:t>When a host leaves an area, that, too, should be announced to allow </a:t>
-            </a:r>
-            <a:r>
-              <a:rPr lang="en-US" sz="2400" u="sng" dirty="0"/>
-              <a:t>deregistration</a:t>
-            </a:r>
-            <a:r>
-              <a:rPr lang="en-US" sz="2400" dirty="0"/>
-              <a:t>, but many users abruptly turn off their computers when done.</a:t>
-            </a:r>
-          </a:p>
-          <a:p>
-            <a:pPr algn="ctr"/>
-            <a:r>
-              <a:rPr lang="en-US" sz="2400" u="sng" dirty="0"/>
-              <a:t> Packet routing for mobile hosts</a:t>
-            </a:r>
-          </a:p>
-          <a:p>
-            <a:r>
-              <a:rPr lang="en-US" sz="2400" dirty="0"/>
-              <a:t>When a packet is sent to a mobile host, it is routed to the host's home LAN are  intercepted by the home agent there.</a:t>
+              <a:t>When a packet is sent to a mobile host, it is routed to the host's home LAN are intercepted by the home agent there.</a:t>
             </a:r>
           </a:p>
           <a:p>
@@ -3491,26 +3626,48 @@
           <a:p>
             <a:r>
               <a:rPr lang="en-US" sz="2400" dirty="0"/>
-              <a:t>The home agent then does two things.</a:t>
-            </a:r>
-          </a:p>
-          <a:p>
+              <a:t>The home agent then does two things: </a:t>
+            </a:r>
+          </a:p>
+          <a:p>
+            <a:r>
+              <a:rPr lang="en-US" sz="2400" dirty="0">
+                <a:solidFill>
+                  <a:srgbClr val="0070C0"/>
+                </a:solidFill>
+              </a:rPr>
+              <a:t>First</a:t>
+            </a:r>
             <a:r>
               <a:rPr lang="en-US" sz="2400" dirty="0"/>
-              <a:t>First, it encapsulates the packet in the payload field of an outer packet and sends the latter to the foreign agent ,This mechanism is called tunneling; </a:t>
-            </a:r>
-          </a:p>
-          <a:p>
+              <a:t>, it encapsulates the packet in the payload field of an outer packet and sends the latter to the foreign agent. This mechanism is called </a:t>
+            </a:r>
+            <a:r>
+              <a:rPr lang="en-US" sz="2400" b="1" dirty="0"/>
+              <a:t>tunneling</a:t>
+            </a:r>
             <a:r>
               <a:rPr lang="en-US" sz="2400" dirty="0"/>
-              <a:t>After getting the encapsulated packet, the foreign agent removes the original packet from the payload field and sends it to the mobile host as a data link frame. </a:t>
-            </a:r>
-          </a:p>
-          <a:p>
-            <a:endParaRPr lang="en-US" sz="2400" dirty="0"/>
-          </a:p>
-          <a:p>
-            <a:endParaRPr lang="en-US" sz="2400" dirty="0"/>
+              <a:t>.  </a:t>
+            </a:r>
+          </a:p>
+          <a:p>
+            <a:r>
+              <a:rPr lang="en-US" sz="2400" dirty="0"/>
+              <a:t>After getting the encapsulated packet, the foreign agent removes the original packet from the payload field and sends it to the mobile host as a </a:t>
+            </a:r>
+            <a:r>
+              <a:rPr lang="en-US" sz="2400" dirty="0">
+                <a:solidFill>
+                  <a:srgbClr val="0070C0"/>
+                </a:solidFill>
+              </a:rPr>
+              <a:t>data link frame</a:t>
+            </a:r>
+            <a:r>
+              <a:rPr lang="en-US" sz="2400" dirty="0"/>
+              <a:t>. </a:t>
+            </a:r>
           </a:p>
         </p:txBody>
       </p:sp>
@@ -3557,7 +3714,7 @@
         <p:spPr>
           <a:xfrm>
             <a:off x="0" y="609600"/>
-            <a:ext cx="9144000" cy="5516563"/>
+            <a:ext cx="8915400" cy="5516563"/>
           </a:xfrm>
         </p:spPr>
         <p:txBody>
@@ -3567,18 +3724,62 @@
           <a:lstStyle/>
           <a:p>
             <a:r>
+              <a:rPr lang="en-US" sz="2400" dirty="0">
+                <a:solidFill>
+                  <a:srgbClr val="0070C0"/>
+                </a:solidFill>
+              </a:rPr>
+              <a:t>Second</a:t>
+            </a:r>
+            <a:r>
               <a:rPr lang="en-US" sz="2400" dirty="0"/>
-              <a:t>Second, the home agent tells the sender to henceforth send packets to the mobile host by encapsulating them in the payload of packets explicitly addressed to the foreign agent instead of just sending them to the mobile host's home address.</a:t>
+              <a:t>, the home agent tells the sender to henceforth send packets to the mobile host by encapsulating them in the payload of packets explicitly addressed to the foreign agent instead of just sending them to the mobile host's home address.</a:t>
             </a:r>
           </a:p>
           <a:p>
             <a:r>
               <a:rPr lang="en-US" sz="2400" dirty="0"/>
-              <a:t>Subsequent packets can now be routed directly to the host via the foreign agent  bypassing the home location entirely. </a:t>
-            </a:r>
-          </a:p>
-        </p:txBody>
-      </p:sp>
+              <a:t>Subsequent packets can now be routed directly to the host via the foreign agent bypassing the home location entirely. </a:t>
+            </a:r>
+          </a:p>
+        </p:txBody>
+      </p:sp>
+      <p:pic>
+        <p:nvPicPr>
+          <p:cNvPr id="4" name="Picture 3" descr="A close up of a map&#10;&#10;Description automatically generated">
+            <a:extLst>
+              <a:ext uri="{FF2B5EF4-FFF2-40B4-BE49-F238E27FC236}">
+                <a16:creationId xmlns:a16="http://schemas.microsoft.com/office/drawing/2014/main" id="{593EC9AA-BE4C-4AB9-A82E-D77B41447E9F}"/>
+              </a:ext>
+            </a:extLst>
+          </p:cNvPr>
+          <p:cNvPicPr>
+            <a:picLocks noChangeAspect="1"/>
+          </p:cNvPicPr>
+          <p:nvPr/>
+        </p:nvPicPr>
+        <p:blipFill>
+          <a:blip r:embed="rId2">
+            <a:extLst>
+              <a:ext uri="{28A0092B-C50C-407E-A947-70E740481C1C}">
+                <a14:useLocalDpi xmlns:a14="http://schemas.microsoft.com/office/drawing/2010/main" val="0"/>
+              </a:ext>
+            </a:extLst>
+          </a:blip>
+          <a:stretch>
+            <a:fillRect/>
+          </a:stretch>
+        </p:blipFill>
+        <p:spPr>
+          <a:xfrm>
+            <a:off x="1749414" y="3124200"/>
+            <a:ext cx="5645171" cy="3522400"/>
+          </a:xfrm>
+          <a:prstGeom prst="rect">
+            <a:avLst/>
+          </a:prstGeom>
+        </p:spPr>
+      </p:pic>
     </p:spTree>
     <p:extLst>
       <p:ext uri="{BB962C8B-B14F-4D97-AF65-F5344CB8AC3E}">
